--- a/media/CO2Monitor Sales pic.pptx
+++ b/media/CO2Monitor Sales pic.pptx
@@ -6,6 +6,7 @@
   </p:sldMasterIdLst>
   <p:sldIdLst>
     <p:sldId id="256" r:id="rId2"/>
+    <p:sldId id="257" r:id="rId3"/>
   </p:sldIdLst>
   <p:sldSz cx="12192000" cy="6858000"/>
   <p:notesSz cx="6858000" cy="9144000"/>
@@ -104,6 +105,11 @@
       </a:defRPr>
     </a:lvl9pPr>
   </p:defaultTextStyle>
+  <p:extLst>
+    <p:ext uri="{EFAFB233-063F-42B5-8137-9DF3F51BA10A}">
+      <p15:sldGuideLst xmlns:p15="http://schemas.microsoft.com/office/powerpoint/2012/main"/>
+    </p:ext>
+  </p:extLst>
 </p:presentation>
 </file>
 
@@ -238,7 +244,7 @@
           <a:p>
             <a:fld id="{276A2712-C9F5-4D00-B8B9-D04F1D4608A1}" type="datetimeFigureOut">
               <a:rPr lang="en-US" smtClean="0"/>
-              <a:t>10/26/2016</a:t>
+              <a:t>2016-10-27</a:t>
             </a:fld>
             <a:endParaRPr lang="en-US"/>
           </a:p>
@@ -408,7 +414,7 @@
           <a:p>
             <a:fld id="{276A2712-C9F5-4D00-B8B9-D04F1D4608A1}" type="datetimeFigureOut">
               <a:rPr lang="en-US" smtClean="0"/>
-              <a:t>10/26/2016</a:t>
+              <a:t>2016-10-27</a:t>
             </a:fld>
             <a:endParaRPr lang="en-US"/>
           </a:p>
@@ -588,7 +594,7 @@
           <a:p>
             <a:fld id="{276A2712-C9F5-4D00-B8B9-D04F1D4608A1}" type="datetimeFigureOut">
               <a:rPr lang="en-US" smtClean="0"/>
-              <a:t>10/26/2016</a:t>
+              <a:t>2016-10-27</a:t>
             </a:fld>
             <a:endParaRPr lang="en-US"/>
           </a:p>
@@ -758,7 +764,7 @@
           <a:p>
             <a:fld id="{276A2712-C9F5-4D00-B8B9-D04F1D4608A1}" type="datetimeFigureOut">
               <a:rPr lang="en-US" smtClean="0"/>
-              <a:t>10/26/2016</a:t>
+              <a:t>2016-10-27</a:t>
             </a:fld>
             <a:endParaRPr lang="en-US"/>
           </a:p>
@@ -1004,7 +1010,7 @@
           <a:p>
             <a:fld id="{276A2712-C9F5-4D00-B8B9-D04F1D4608A1}" type="datetimeFigureOut">
               <a:rPr lang="en-US" smtClean="0"/>
-              <a:t>10/26/2016</a:t>
+              <a:t>2016-10-27</a:t>
             </a:fld>
             <a:endParaRPr lang="en-US"/>
           </a:p>
@@ -1236,7 +1242,7 @@
           <a:p>
             <a:fld id="{276A2712-C9F5-4D00-B8B9-D04F1D4608A1}" type="datetimeFigureOut">
               <a:rPr lang="en-US" smtClean="0"/>
-              <a:t>10/26/2016</a:t>
+              <a:t>2016-10-27</a:t>
             </a:fld>
             <a:endParaRPr lang="en-US"/>
           </a:p>
@@ -1603,7 +1609,7 @@
           <a:p>
             <a:fld id="{276A2712-C9F5-4D00-B8B9-D04F1D4608A1}" type="datetimeFigureOut">
               <a:rPr lang="en-US" smtClean="0"/>
-              <a:t>10/26/2016</a:t>
+              <a:t>2016-10-27</a:t>
             </a:fld>
             <a:endParaRPr lang="en-US"/>
           </a:p>
@@ -1721,7 +1727,7 @@
           <a:p>
             <a:fld id="{276A2712-C9F5-4D00-B8B9-D04F1D4608A1}" type="datetimeFigureOut">
               <a:rPr lang="en-US" smtClean="0"/>
-              <a:t>10/26/2016</a:t>
+              <a:t>2016-10-27</a:t>
             </a:fld>
             <a:endParaRPr lang="en-US"/>
           </a:p>
@@ -1816,7 +1822,7 @@
           <a:p>
             <a:fld id="{276A2712-C9F5-4D00-B8B9-D04F1D4608A1}" type="datetimeFigureOut">
               <a:rPr lang="en-US" smtClean="0"/>
-              <a:t>10/26/2016</a:t>
+              <a:t>2016-10-27</a:t>
             </a:fld>
             <a:endParaRPr lang="en-US"/>
           </a:p>
@@ -2093,7 +2099,7 @@
           <a:p>
             <a:fld id="{276A2712-C9F5-4D00-B8B9-D04F1D4608A1}" type="datetimeFigureOut">
               <a:rPr lang="en-US" smtClean="0"/>
-              <a:t>10/26/2016</a:t>
+              <a:t>2016-10-27</a:t>
             </a:fld>
             <a:endParaRPr lang="en-US"/>
           </a:p>
@@ -2346,7 +2352,7 @@
           <a:p>
             <a:fld id="{276A2712-C9F5-4D00-B8B9-D04F1D4608A1}" type="datetimeFigureOut">
               <a:rPr lang="en-US" smtClean="0"/>
-              <a:t>10/26/2016</a:t>
+              <a:t>2016-10-27</a:t>
             </a:fld>
             <a:endParaRPr lang="en-US"/>
           </a:p>
@@ -2559,7 +2565,7 @@
           <a:p>
             <a:fld id="{276A2712-C9F5-4D00-B8B9-D04F1D4608A1}" type="datetimeFigureOut">
               <a:rPr lang="en-US" smtClean="0"/>
-              <a:t>10/26/2016</a:t>
+              <a:t>2016-10-27</a:t>
             </a:fld>
             <a:endParaRPr lang="en-US"/>
           </a:p>
@@ -2966,14 +2972,14 @@
       </p:grpSpPr>
       <p:pic>
         <p:nvPicPr>
-          <p:cNvPr id="4" name="Picture 3"/>
+          <p:cNvPr id="3" name="Picture 2"/>
           <p:cNvPicPr>
             <a:picLocks noChangeAspect="1"/>
           </p:cNvPicPr>
           <p:nvPr/>
         </p:nvPicPr>
         <p:blipFill>
-          <a:blip r:embed="rId2">
+          <a:blip r:embed="rId2" cstate="print">
             <a:extLst>
               <a:ext uri="{28A0092B-C50C-407E-A947-70E740481C1C}">
                 <a14:useLocalDpi xmlns:a14="http://schemas.microsoft.com/office/drawing/2010/main" val="0"/>
@@ -2986,12 +2992,13 @@
         </p:blipFill>
         <p:spPr>
           <a:xfrm>
-            <a:off x="2841929" y="0"/>
-            <a:ext cx="6858000" cy="6858000"/>
+            <a:off x="2667000" y="531340"/>
+            <a:ext cx="6326659" cy="6326659"/>
           </a:xfrm>
           <a:prstGeom prst="rect">
             <a:avLst/>
           </a:prstGeom>
+          <a:effectLst/>
         </p:spPr>
       </p:pic>
       <p:sp>
@@ -3002,8 +3009,8 @@
         </p:nvSpPr>
         <p:spPr>
           <a:xfrm>
-            <a:off x="3562185" y="214685"/>
-            <a:ext cx="4860626" cy="646331"/>
+            <a:off x="2667000" y="146619"/>
+            <a:ext cx="6622326" cy="769441"/>
           </a:xfrm>
           <a:prstGeom prst="rect">
             <a:avLst/>
@@ -3017,27 +3024,54 @@
           <a:lstStyle/>
           <a:p>
             <a:r>
-              <a:rPr lang="en-US" sz="3600" b="1" dirty="0" err="1" smtClean="0">
+              <a:rPr lang="en-US" sz="4400" b="1" dirty="0" smtClean="0">
                 <a:solidFill>
-                  <a:schemeClr val="bg1"/>
+                  <a:schemeClr val="accent6">
+                    <a:lumMod val="75000"/>
+                  </a:schemeClr>
                 </a:solidFill>
+                <a:effectLst>
+                  <a:outerShdw blurRad="190500" dist="114300" dir="2700000" algn="bl" rotWithShape="0">
+                    <a:prstClr val="black">
+                      <a:alpha val="40000"/>
+                    </a:prstClr>
+                  </a:outerShdw>
+                </a:effectLst>
                 <a:latin typeface="Berlin Sans FB Demi" panose="020E0802020502020306" pitchFamily="34" charset="0"/>
               </a:rPr>
-              <a:t>vThings</a:t>
-            </a:r>
-            <a:r>
-              <a:rPr lang="en-US" sz="3600" b="1" dirty="0" smtClean="0">
+              <a:t>vThings – CO2 </a:t>
+            </a:r>
+            <a:r>
+              <a:rPr lang="en-US" sz="4400" b="1" dirty="0" smtClean="0">
                 <a:solidFill>
-                  <a:schemeClr val="bg1"/>
+                  <a:schemeClr val="accent6">
+                    <a:lumMod val="75000"/>
+                  </a:schemeClr>
                 </a:solidFill>
+                <a:effectLst>
+                  <a:outerShdw blurRad="190500" dist="114300" dir="2700000" algn="bl" rotWithShape="0">
+                    <a:prstClr val="black">
+                      <a:alpha val="40000"/>
+                    </a:prstClr>
+                  </a:outerShdw>
+                </a:effectLst>
                 <a:latin typeface="Berlin Sans FB Demi" panose="020E0802020502020306" pitchFamily="34" charset="0"/>
               </a:rPr>
-              <a:t> – CO2 Monitor</a:t>
-            </a:r>
-            <a:endParaRPr lang="en-US" sz="3600" b="1" dirty="0">
+              <a:t>Monitor v3</a:t>
+            </a:r>
+            <a:endParaRPr lang="en-US" sz="4400" b="1" dirty="0">
               <a:solidFill>
-                <a:schemeClr val="bg1"/>
+                <a:schemeClr val="accent6">
+                  <a:lumMod val="75000"/>
+                </a:schemeClr>
               </a:solidFill>
+              <a:effectLst>
+                <a:outerShdw blurRad="190500" dist="114300" dir="2700000" algn="bl" rotWithShape="0">
+                  <a:prstClr val="black">
+                    <a:alpha val="40000"/>
+                  </a:prstClr>
+                </a:outerShdw>
+              </a:effectLst>
               <a:latin typeface="Berlin Sans FB Demi" panose="020E0802020502020306" pitchFamily="34" charset="0"/>
             </a:endParaRPr>
           </a:p>
@@ -3051,8 +3085,8 @@
         </p:nvSpPr>
         <p:spPr>
           <a:xfrm>
-            <a:off x="4492487" y="861016"/>
-            <a:ext cx="3658374" cy="923330"/>
+            <a:off x="4234753" y="979504"/>
+            <a:ext cx="4714752" cy="1569660"/>
           </a:xfrm>
           <a:prstGeom prst="rect">
             <a:avLst/>
@@ -3078,15 +3112,16 @@
               <a:buChar char="•"/>
             </a:pPr>
             <a:r>
-              <a:rPr lang="en-US" dirty="0" smtClean="0">
+              <a:rPr lang="en-US" sz="2400" dirty="0" smtClean="0">
                 <a:solidFill>
                   <a:schemeClr val="bg1"/>
                 </a:solidFill>
                 <a:effectLst>
-                  <a:glow rad="228600">
-                    <a:schemeClr val="accent5">
-                      <a:satMod val="175000"/>
-                      <a:alpha val="40000"/>
+                  <a:glow rad="254000">
+                    <a:schemeClr val="tx1">
+                      <a:lumMod val="85000"/>
+                      <a:lumOff val="15000"/>
+                      <a:alpha val="80000"/>
                     </a:schemeClr>
                   </a:glow>
                 </a:effectLst>
@@ -3101,48 +3136,75 @@
               <a:buChar char="•"/>
             </a:pPr>
             <a:r>
-              <a:rPr lang="en-US" dirty="0" smtClean="0">
+              <a:rPr lang="en-US" sz="2400" dirty="0" smtClean="0">
                 <a:solidFill>
                   <a:schemeClr val="bg1"/>
                 </a:solidFill>
                 <a:effectLst>
-                  <a:glow rad="228600">
-                    <a:schemeClr val="accent5">
-                      <a:satMod val="175000"/>
-                      <a:alpha val="40000"/>
+                  <a:glow rad="254000">
+                    <a:schemeClr val="tx1">
+                      <a:lumMod val="85000"/>
+                      <a:lumOff val="15000"/>
+                      <a:alpha val="80000"/>
                     </a:schemeClr>
                   </a:glow>
                 </a:effectLst>
                 <a:latin typeface="Berlin Sans FB" panose="020E0602020502020306" pitchFamily="34" charset="0"/>
               </a:rPr>
-              <a:t>Wi-Fi </a:t>
-            </a:r>
-            <a:r>
-              <a:rPr lang="en-US" smtClean="0">
+              <a:t>Wi-Fi Connectivity (HTTP/MQTT</a:t>
+            </a:r>
+            <a:r>
+              <a:rPr lang="en-US" sz="2400" dirty="0" smtClean="0">
                 <a:solidFill>
                   <a:schemeClr val="bg1"/>
                 </a:solidFill>
                 <a:effectLst>
-                  <a:glow rad="228600">
-                    <a:schemeClr val="accent5">
-                      <a:satMod val="175000"/>
-                      <a:alpha val="40000"/>
+                  <a:glow rad="254000">
+                    <a:schemeClr val="tx1">
+                      <a:lumMod val="85000"/>
+                      <a:lumOff val="15000"/>
+                      <a:alpha val="80000"/>
                     </a:schemeClr>
                   </a:glow>
                 </a:effectLst>
                 <a:latin typeface="Berlin Sans FB" panose="020E0602020502020306" pitchFamily="34" charset="0"/>
               </a:rPr>
-              <a:t>Connectivity (HTTP/MQTT)</a:t>
-            </a:r>
-            <a:endParaRPr lang="en-US" dirty="0" smtClean="0">
+              <a:t>)</a:t>
+            </a:r>
+          </a:p>
+          <a:p>
+            <a:pPr marL="285750" indent="-285750">
+              <a:buFont typeface="Arial" panose="020B0604020202020204" pitchFamily="34" charset="0"/>
+              <a:buChar char="•"/>
+            </a:pPr>
+            <a:r>
+              <a:rPr lang="en-US" sz="2400" dirty="0" smtClean="0">
+                <a:solidFill>
+                  <a:schemeClr val="bg1"/>
+                </a:solidFill>
+                <a:effectLst>
+                  <a:glow rad="254000">
+                    <a:schemeClr val="tx1">
+                      <a:lumMod val="85000"/>
+                      <a:lumOff val="15000"/>
+                      <a:alpha val="80000"/>
+                    </a:schemeClr>
+                  </a:glow>
+                </a:effectLst>
+                <a:latin typeface="Berlin Sans FB" panose="020E0602020502020306" pitchFamily="34" charset="0"/>
+              </a:rPr>
+              <a:t>Optional RF 433 MHz</a:t>
+            </a:r>
+            <a:endParaRPr lang="en-US" sz="2400" dirty="0" smtClean="0">
               <a:solidFill>
                 <a:schemeClr val="bg1"/>
               </a:solidFill>
               <a:effectLst>
-                <a:glow rad="228600">
-                  <a:schemeClr val="accent5">
-                    <a:satMod val="175000"/>
-                    <a:alpha val="40000"/>
+                <a:glow rad="254000">
+                  <a:schemeClr val="tx1">
+                    <a:lumMod val="85000"/>
+                    <a:lumOff val="15000"/>
+                    <a:alpha val="80000"/>
                   </a:schemeClr>
                 </a:glow>
               </a:effectLst>
@@ -3155,21 +3217,40 @@
               <a:buChar char="•"/>
             </a:pPr>
             <a:r>
-              <a:rPr lang="en-US" dirty="0" smtClean="0">
+              <a:rPr lang="en-US" sz="2400" dirty="0" smtClean="0">
                 <a:solidFill>
                   <a:schemeClr val="bg1"/>
                 </a:solidFill>
                 <a:effectLst>
-                  <a:glow rad="228600">
-                    <a:schemeClr val="accent5">
-                      <a:satMod val="175000"/>
-                      <a:alpha val="40000"/>
+                  <a:glow rad="254000">
+                    <a:schemeClr val="tx1">
+                      <a:lumMod val="85000"/>
+                      <a:lumOff val="15000"/>
+                      <a:alpha val="80000"/>
                     </a:schemeClr>
                   </a:glow>
                 </a:effectLst>
                 <a:latin typeface="Berlin Sans FB" panose="020E0602020502020306" pitchFamily="34" charset="0"/>
               </a:rPr>
-              <a:t>Very Customizable Firmware</a:t>
+              <a:t>Customizable </a:t>
+            </a:r>
+            <a:r>
+              <a:rPr lang="en-US" sz="2400" dirty="0" smtClean="0">
+                <a:solidFill>
+                  <a:schemeClr val="bg1"/>
+                </a:solidFill>
+                <a:effectLst>
+                  <a:glow rad="254000">
+                    <a:schemeClr val="tx1">
+                      <a:lumMod val="85000"/>
+                      <a:lumOff val="15000"/>
+                      <a:alpha val="80000"/>
+                    </a:schemeClr>
+                  </a:glow>
+                </a:effectLst>
+                <a:latin typeface="Berlin Sans FB" panose="020E0602020502020306" pitchFamily="34" charset="0"/>
+              </a:rPr>
+              <a:t>Firmware</a:t>
             </a:r>
           </a:p>
         </p:txBody>
@@ -3182,8 +3263,8 @@
         </p:nvSpPr>
         <p:spPr>
           <a:xfrm>
-            <a:off x="2983064" y="4814140"/>
-            <a:ext cx="2553904" cy="1477328"/>
+            <a:off x="2750212" y="4507096"/>
+            <a:ext cx="2969083" cy="1938992"/>
           </a:xfrm>
           <a:prstGeom prst="rect">
             <a:avLst/>
@@ -3197,22 +3278,38 @@
           <a:lstStyle/>
           <a:p>
             <a:r>
-              <a:rPr lang="en-US" dirty="0" smtClean="0">
+              <a:rPr lang="en-US" sz="2400" dirty="0" smtClean="0">
                 <a:solidFill>
                   <a:schemeClr val="bg1"/>
                 </a:solidFill>
                 <a:effectLst>
-                  <a:glow rad="228600">
-                    <a:schemeClr val="accent5">
-                      <a:satMod val="175000"/>
-                      <a:alpha val="40000"/>
+                  <a:glow rad="254000">
+                    <a:schemeClr val="tx1">
+                      <a:lumMod val="85000"/>
+                      <a:lumOff val="15000"/>
+                      <a:alpha val="80000"/>
                     </a:schemeClr>
                   </a:glow>
                 </a:effectLst>
                 <a:latin typeface="Berlin Sans FB" panose="020E0602020502020306" pitchFamily="34" charset="0"/>
               </a:rPr>
-              <a:t>Upgrades for CO2 Sensor</a:t>
-            </a:r>
+              <a:t>CO2 Sensor Upgrades</a:t>
+            </a:r>
+            <a:endParaRPr lang="en-US" sz="2400" dirty="0" smtClean="0">
+              <a:solidFill>
+                <a:schemeClr val="bg1"/>
+              </a:solidFill>
+              <a:effectLst>
+                <a:glow rad="254000">
+                  <a:schemeClr val="tx1">
+                    <a:lumMod val="85000"/>
+                    <a:lumOff val="15000"/>
+                    <a:alpha val="80000"/>
+                  </a:schemeClr>
+                </a:glow>
+              </a:effectLst>
+              <a:latin typeface="Berlin Sans FB" panose="020E0602020502020306" pitchFamily="34" charset="0"/>
+            </a:endParaRPr>
           </a:p>
           <a:p>
             <a:pPr marL="285750" indent="-285750">
@@ -3220,15 +3317,16 @@
               <a:buChar char="•"/>
             </a:pPr>
             <a:r>
-              <a:rPr lang="en-US" dirty="0">
+              <a:rPr lang="en-US" sz="2400" dirty="0">
                 <a:solidFill>
                   <a:schemeClr val="bg1"/>
                 </a:solidFill>
                 <a:effectLst>
-                  <a:glow rad="228600">
-                    <a:schemeClr val="accent5">
-                      <a:satMod val="175000"/>
-                      <a:alpha val="40000"/>
+                  <a:glow rad="254000">
+                    <a:schemeClr val="tx1">
+                      <a:lumMod val="85000"/>
+                      <a:lumOff val="15000"/>
+                      <a:alpha val="80000"/>
                     </a:schemeClr>
                   </a:glow>
                 </a:effectLst>
@@ -3243,15 +3341,16 @@
               <a:buChar char="•"/>
             </a:pPr>
             <a:r>
-              <a:rPr lang="en-US" dirty="0">
+              <a:rPr lang="en-US" sz="2400" dirty="0">
                 <a:solidFill>
                   <a:schemeClr val="bg1"/>
                 </a:solidFill>
                 <a:effectLst>
-                  <a:glow rad="228600">
-                    <a:schemeClr val="accent5">
-                      <a:satMod val="175000"/>
-                      <a:alpha val="40000"/>
+                  <a:glow rad="254000">
+                    <a:schemeClr val="tx1">
+                      <a:lumMod val="85000"/>
+                      <a:lumOff val="15000"/>
+                      <a:alpha val="80000"/>
                     </a:schemeClr>
                   </a:glow>
                 </a:effectLst>
@@ -3260,15 +3359,16 @@
               <a:t>Up to 10,000 </a:t>
             </a:r>
             <a:r>
-              <a:rPr lang="en-US" dirty="0" smtClean="0">
+              <a:rPr lang="en-US" sz="2400" dirty="0" smtClean="0">
                 <a:solidFill>
                   <a:schemeClr val="bg1"/>
                 </a:solidFill>
                 <a:effectLst>
-                  <a:glow rad="228600">
-                    <a:schemeClr val="accent5">
-                      <a:satMod val="175000"/>
-                      <a:alpha val="40000"/>
+                  <a:glow rad="254000">
+                    <a:schemeClr val="tx1">
+                      <a:lumMod val="85000"/>
+                      <a:lumOff val="15000"/>
+                      <a:alpha val="80000"/>
                     </a:schemeClr>
                   </a:glow>
                 </a:effectLst>
@@ -3276,15 +3376,16 @@
               </a:rPr>
               <a:t>PPM</a:t>
             </a:r>
-            <a:endParaRPr lang="en-US" dirty="0">
+            <a:endParaRPr lang="en-US" sz="2400" dirty="0">
               <a:solidFill>
                 <a:schemeClr val="bg1"/>
               </a:solidFill>
               <a:effectLst>
-                <a:glow rad="228600">
-                  <a:schemeClr val="accent5">
-                    <a:satMod val="175000"/>
-                    <a:alpha val="40000"/>
+                <a:glow rad="254000">
+                  <a:schemeClr val="tx1">
+                    <a:lumMod val="85000"/>
+                    <a:lumOff val="15000"/>
+                    <a:alpha val="80000"/>
                   </a:schemeClr>
                 </a:glow>
               </a:effectLst>
@@ -3297,15 +3398,16 @@
               <a:buChar char="•"/>
             </a:pPr>
             <a:r>
-              <a:rPr lang="en-US" dirty="0" smtClean="0">
+              <a:rPr lang="en-US" sz="2400" dirty="0" smtClean="0">
                 <a:solidFill>
                   <a:schemeClr val="bg1"/>
                 </a:solidFill>
                 <a:effectLst>
-                  <a:glow rad="228600">
-                    <a:schemeClr val="accent5">
-                      <a:satMod val="175000"/>
-                      <a:alpha val="40000"/>
+                  <a:glow rad="254000">
+                    <a:schemeClr val="tx1">
+                      <a:lumMod val="85000"/>
+                      <a:lumOff val="15000"/>
+                      <a:alpha val="80000"/>
                     </a:schemeClr>
                   </a:glow>
                 </a:effectLst>
@@ -3314,15 +3416,16 @@
               <a:t>Higher </a:t>
             </a:r>
             <a:r>
-              <a:rPr lang="en-US" dirty="0">
+              <a:rPr lang="en-US" sz="2400" dirty="0">
                 <a:solidFill>
                   <a:schemeClr val="bg1"/>
                 </a:solidFill>
                 <a:effectLst>
-                  <a:glow rad="228600">
-                    <a:schemeClr val="accent5">
-                      <a:satMod val="175000"/>
-                      <a:alpha val="40000"/>
+                  <a:glow rad="254000">
+                    <a:schemeClr val="tx1">
+                      <a:lumMod val="85000"/>
+                      <a:lumOff val="15000"/>
+                      <a:alpha val="80000"/>
                     </a:schemeClr>
                   </a:glow>
                 </a:effectLst>
@@ -3330,15 +3433,16 @@
               </a:rPr>
               <a:t>accuracy </a:t>
             </a:r>
-            <a:endParaRPr lang="en-US" dirty="0" smtClean="0">
+            <a:endParaRPr lang="en-US" sz="2400" dirty="0" smtClean="0">
               <a:solidFill>
                 <a:schemeClr val="bg1"/>
               </a:solidFill>
               <a:effectLst>
-                <a:glow rad="228600">
-                  <a:schemeClr val="accent5">
-                    <a:satMod val="175000"/>
-                    <a:alpha val="40000"/>
+                <a:glow rad="254000">
+                  <a:schemeClr val="tx1">
+                    <a:lumMod val="85000"/>
+                    <a:lumOff val="15000"/>
+                    <a:alpha val="80000"/>
                   </a:schemeClr>
                 </a:glow>
               </a:effectLst>
@@ -3351,15 +3455,16 @@
               <a:buChar char="•"/>
             </a:pPr>
             <a:r>
-              <a:rPr lang="en-US" dirty="0" smtClean="0">
+              <a:rPr lang="en-US" sz="2400" dirty="0" smtClean="0">
                 <a:solidFill>
                   <a:schemeClr val="bg1"/>
                 </a:solidFill>
                 <a:effectLst>
-                  <a:glow rad="228600">
-                    <a:schemeClr val="accent5">
-                      <a:satMod val="175000"/>
-                      <a:alpha val="40000"/>
+                  <a:glow rad="254000">
+                    <a:schemeClr val="tx1">
+                      <a:lumMod val="85000"/>
+                      <a:lumOff val="15000"/>
+                      <a:alpha val="80000"/>
                     </a:schemeClr>
                   </a:glow>
                 </a:effectLst>
@@ -3367,15 +3472,16 @@
               </a:rPr>
               <a:t>Low Power</a:t>
             </a:r>
-            <a:endParaRPr lang="en-US" dirty="0">
+            <a:endParaRPr lang="en-US" sz="2400" dirty="0">
               <a:solidFill>
                 <a:schemeClr val="bg1"/>
               </a:solidFill>
               <a:effectLst>
-                <a:glow rad="228600">
-                  <a:schemeClr val="accent5">
-                    <a:satMod val="175000"/>
-                    <a:alpha val="40000"/>
+                <a:glow rad="254000">
+                  <a:schemeClr val="tx1">
+                    <a:lumMod val="85000"/>
+                    <a:lumOff val="15000"/>
+                    <a:alpha val="80000"/>
                   </a:schemeClr>
                 </a:glow>
               </a:effectLst>
@@ -3392,8 +3498,276 @@
         </p:nvSpPr>
         <p:spPr>
           <a:xfrm>
-            <a:off x="7345432" y="4814140"/>
-            <a:ext cx="2154757" cy="1477328"/>
+            <a:off x="6660324" y="4507096"/>
+            <a:ext cx="2719014" cy="1938992"/>
+          </a:xfrm>
+          <a:prstGeom prst="rect">
+            <a:avLst/>
+          </a:prstGeom>
+          <a:noFill/>
+          <a:effectLst>
+            <a:glow rad="127000">
+              <a:schemeClr val="tx1">
+                <a:lumMod val="65000"/>
+                <a:lumOff val="35000"/>
+              </a:schemeClr>
+            </a:glow>
+          </a:effectLst>
+        </p:spPr>
+        <p:txBody>
+          <a:bodyPr wrap="none" rtlCol="0">
+            <a:spAutoFit/>
+          </a:bodyPr>
+          <a:lstStyle/>
+          <a:p>
+            <a:r>
+              <a:rPr lang="en-US" sz="2400" dirty="0" smtClean="0">
+                <a:solidFill>
+                  <a:schemeClr val="bg1"/>
+                </a:solidFill>
+                <a:effectLst>
+                  <a:glow rad="254000">
+                    <a:schemeClr val="tx1">
+                      <a:lumMod val="95000"/>
+                      <a:lumOff val="5000"/>
+                      <a:alpha val="80000"/>
+                    </a:schemeClr>
+                  </a:glow>
+                </a:effectLst>
+                <a:latin typeface="Berlin Sans FB" panose="020E0602020502020306" pitchFamily="34" charset="0"/>
+              </a:rPr>
+              <a:t>More Sensors</a:t>
+            </a:r>
+            <a:endParaRPr lang="en-US" sz="2400" dirty="0" smtClean="0">
+              <a:solidFill>
+                <a:schemeClr val="bg1"/>
+              </a:solidFill>
+              <a:effectLst>
+                <a:glow rad="254000">
+                  <a:schemeClr val="tx1">
+                    <a:lumMod val="95000"/>
+                    <a:lumOff val="5000"/>
+                    <a:alpha val="80000"/>
+                  </a:schemeClr>
+                </a:glow>
+              </a:effectLst>
+              <a:latin typeface="Berlin Sans FB" panose="020E0602020502020306" pitchFamily="34" charset="0"/>
+            </a:endParaRPr>
+          </a:p>
+          <a:p>
+            <a:pPr marL="285750" indent="-285750">
+              <a:buFont typeface="Arial" panose="020B0604020202020204" pitchFamily="34" charset="0"/>
+              <a:buChar char="•"/>
+            </a:pPr>
+            <a:r>
+              <a:rPr lang="en-US" sz="2400" dirty="0" smtClean="0">
+                <a:solidFill>
+                  <a:schemeClr val="bg1"/>
+                </a:solidFill>
+                <a:effectLst>
+                  <a:glow rad="254000">
+                    <a:schemeClr val="tx1">
+                      <a:lumMod val="95000"/>
+                      <a:lumOff val="5000"/>
+                      <a:alpha val="80000"/>
+                    </a:schemeClr>
+                  </a:glow>
+                </a:effectLst>
+                <a:latin typeface="Berlin Sans FB" panose="020E0602020502020306" pitchFamily="34" charset="0"/>
+              </a:rPr>
+              <a:t>Dust 0-1000 um3</a:t>
+            </a:r>
+            <a:endParaRPr lang="en-US" sz="2400" dirty="0">
+              <a:solidFill>
+                <a:schemeClr val="bg1"/>
+              </a:solidFill>
+              <a:effectLst>
+                <a:glow rad="254000">
+                  <a:schemeClr val="tx1">
+                    <a:lumMod val="95000"/>
+                    <a:lumOff val="5000"/>
+                    <a:alpha val="80000"/>
+                  </a:schemeClr>
+                </a:glow>
+              </a:effectLst>
+              <a:latin typeface="Berlin Sans FB" panose="020E0602020502020306" pitchFamily="34" charset="0"/>
+            </a:endParaRPr>
+          </a:p>
+          <a:p>
+            <a:pPr marL="285750" indent="-285750">
+              <a:buFont typeface="Arial" panose="020B0604020202020204" pitchFamily="34" charset="0"/>
+              <a:buChar char="•"/>
+            </a:pPr>
+            <a:r>
+              <a:rPr lang="en-US" sz="2400" dirty="0" smtClean="0">
+                <a:solidFill>
+                  <a:schemeClr val="bg1"/>
+                </a:solidFill>
+                <a:effectLst>
+                  <a:glow rad="254000">
+                    <a:schemeClr val="tx1">
+                      <a:lumMod val="95000"/>
+                      <a:lumOff val="5000"/>
+                      <a:alpha val="80000"/>
+                    </a:schemeClr>
+                  </a:glow>
+                </a:effectLst>
+                <a:latin typeface="Berlin Sans FB" panose="020E0602020502020306" pitchFamily="34" charset="0"/>
+              </a:rPr>
+              <a:t>Temperature</a:t>
+            </a:r>
+            <a:endParaRPr lang="en-US" sz="2400" dirty="0">
+              <a:solidFill>
+                <a:schemeClr val="bg1"/>
+              </a:solidFill>
+              <a:effectLst>
+                <a:glow rad="254000">
+                  <a:schemeClr val="tx1">
+                    <a:lumMod val="95000"/>
+                    <a:lumOff val="5000"/>
+                    <a:alpha val="80000"/>
+                  </a:schemeClr>
+                </a:glow>
+              </a:effectLst>
+              <a:latin typeface="Berlin Sans FB" panose="020E0602020502020306" pitchFamily="34" charset="0"/>
+            </a:endParaRPr>
+          </a:p>
+          <a:p>
+            <a:pPr marL="285750" indent="-285750">
+              <a:buFont typeface="Arial" panose="020B0604020202020204" pitchFamily="34" charset="0"/>
+              <a:buChar char="•"/>
+            </a:pPr>
+            <a:r>
+              <a:rPr lang="en-US" sz="2400" dirty="0" smtClean="0">
+                <a:solidFill>
+                  <a:schemeClr val="bg1"/>
+                </a:solidFill>
+                <a:effectLst>
+                  <a:glow rad="254000">
+                    <a:schemeClr val="tx1">
+                      <a:lumMod val="95000"/>
+                      <a:lumOff val="5000"/>
+                      <a:alpha val="80000"/>
+                    </a:schemeClr>
+                  </a:glow>
+                </a:effectLst>
+                <a:latin typeface="Berlin Sans FB" panose="020E0602020502020306" pitchFamily="34" charset="0"/>
+              </a:rPr>
+              <a:t>Humidity</a:t>
+            </a:r>
+          </a:p>
+          <a:p>
+            <a:pPr marL="285750" indent="-285750">
+              <a:buFont typeface="Arial" panose="020B0604020202020204" pitchFamily="34" charset="0"/>
+              <a:buChar char="•"/>
+            </a:pPr>
+            <a:r>
+              <a:rPr lang="en-US" sz="2400" dirty="0" smtClean="0">
+                <a:solidFill>
+                  <a:schemeClr val="bg1"/>
+                </a:solidFill>
+                <a:effectLst>
+                  <a:glow rad="254000">
+                    <a:schemeClr val="tx1">
+                      <a:lumMod val="95000"/>
+                      <a:lumOff val="5000"/>
+                      <a:alpha val="80000"/>
+                    </a:schemeClr>
+                  </a:glow>
+                </a:effectLst>
+                <a:latin typeface="Berlin Sans FB" panose="020E0602020502020306" pitchFamily="34" charset="0"/>
+              </a:rPr>
+              <a:t>Pressure</a:t>
+            </a:r>
+            <a:endParaRPr lang="en-US" sz="2400" dirty="0">
+              <a:solidFill>
+                <a:schemeClr val="bg1"/>
+              </a:solidFill>
+              <a:effectLst>
+                <a:glow rad="254000">
+                  <a:schemeClr val="tx1">
+                    <a:lumMod val="95000"/>
+                    <a:lumOff val="5000"/>
+                    <a:alpha val="80000"/>
+                  </a:schemeClr>
+                </a:glow>
+              </a:effectLst>
+              <a:latin typeface="Berlin Sans FB" panose="020E0602020502020306" pitchFamily="34" charset="0"/>
+            </a:endParaRPr>
+          </a:p>
+        </p:txBody>
+      </p:sp>
+    </p:spTree>
+    <p:extLst>
+      <p:ext uri="{BB962C8B-B14F-4D97-AF65-F5344CB8AC3E}">
+        <p14:creationId xmlns:p14="http://schemas.microsoft.com/office/powerpoint/2010/main" val="2111216707"/>
+      </p:ext>
+    </p:extLst>
+  </p:cSld>
+  <p:clrMapOvr>
+    <a:masterClrMapping/>
+  </p:clrMapOvr>
+</p:sld>
+</file>
+
+<file path=ppt/slides/slide2.xml><?xml version="1.0" encoding="utf-8"?>
+<p:sld xmlns:a="http://schemas.openxmlformats.org/drawingml/2006/main" xmlns:r="http://schemas.openxmlformats.org/officeDocument/2006/relationships" xmlns:p="http://schemas.openxmlformats.org/presentationml/2006/main">
+  <p:cSld>
+    <p:spTree>
+      <p:nvGrpSpPr>
+        <p:cNvPr id="1" name=""/>
+        <p:cNvGrpSpPr/>
+        <p:nvPr/>
+      </p:nvGrpSpPr>
+      <p:grpSpPr>
+        <a:xfrm>
+          <a:off x="0" y="0"/>
+          <a:ext cx="0" cy="0"/>
+          <a:chOff x="0" y="0"/>
+          <a:chExt cx="0" cy="0"/>
+        </a:xfrm>
+      </p:grpSpPr>
+      <p:pic>
+        <p:nvPicPr>
+          <p:cNvPr id="3" name="Picture 2"/>
+          <p:cNvPicPr>
+            <a:picLocks noChangeAspect="1"/>
+          </p:cNvPicPr>
+          <p:nvPr/>
+        </p:nvPicPr>
+        <p:blipFill>
+          <a:blip r:embed="rId2" cstate="print">
+            <a:extLst>
+              <a:ext uri="{28A0092B-C50C-407E-A947-70E740481C1C}">
+                <a14:useLocalDpi xmlns:a14="http://schemas.microsoft.com/office/drawing/2010/main" val="0"/>
+              </a:ext>
+            </a:extLst>
+          </a:blip>
+          <a:stretch>
+            <a:fillRect/>
+          </a:stretch>
+        </p:blipFill>
+        <p:spPr>
+          <a:xfrm>
+            <a:off x="2667000" y="146619"/>
+            <a:ext cx="6326659" cy="6326659"/>
+          </a:xfrm>
+          <a:prstGeom prst="rect">
+            <a:avLst/>
+          </a:prstGeom>
+          <a:effectLst/>
+        </p:spPr>
+      </p:pic>
+      <p:sp>
+        <p:nvSpPr>
+          <p:cNvPr id="5" name="TextBox 4"/>
+          <p:cNvSpPr txBox="1"/>
+          <p:nvPr/>
+        </p:nvSpPr>
+        <p:spPr>
+          <a:xfrm>
+            <a:off x="2667000" y="146619"/>
+            <a:ext cx="6622326" cy="769441"/>
           </a:xfrm>
           <a:prstGeom prst="rect">
             <a:avLst/>
@@ -3407,155 +3781,113 @@
           <a:lstStyle/>
           <a:p>
             <a:r>
-              <a:rPr lang="en-US" dirty="0" smtClean="0">
+              <a:rPr lang="en-US" sz="4400" b="1" dirty="0" smtClean="0">
                 <a:solidFill>
-                  <a:schemeClr val="bg1"/>
+                  <a:schemeClr val="accent6">
+                    <a:lumMod val="75000"/>
+                  </a:schemeClr>
                 </a:solidFill>
                 <a:effectLst>
-                  <a:glow rad="228600">
-                    <a:schemeClr val="accent5">
-                      <a:satMod val="175000"/>
+                  <a:outerShdw blurRad="190500" dist="114300" dir="2700000" algn="bl" rotWithShape="0">
+                    <a:prstClr val="black">
                       <a:alpha val="40000"/>
-                    </a:schemeClr>
-                  </a:glow>
+                    </a:prstClr>
+                  </a:outerShdw>
                 </a:effectLst>
-                <a:latin typeface="Berlin Sans FB" panose="020E0602020502020306" pitchFamily="34" charset="0"/>
+                <a:latin typeface="Berlin Sans FB Demi" panose="020E0802020502020306" pitchFamily="34" charset="0"/>
               </a:rPr>
-              <a:t>Additional Sensors</a:t>
-            </a:r>
-          </a:p>
-          <a:p>
-            <a:pPr marL="285750" indent="-285750">
-              <a:buFont typeface="Arial" panose="020B0604020202020204" pitchFamily="34" charset="0"/>
-              <a:buChar char="•"/>
-            </a:pPr>
-            <a:r>
-              <a:rPr lang="en-US" dirty="0" smtClean="0">
+              <a:t>vThings – CO2 </a:t>
+            </a:r>
+            <a:r>
+              <a:rPr lang="en-US" sz="4400" b="1" dirty="0" smtClean="0">
                 <a:solidFill>
-                  <a:schemeClr val="bg1"/>
+                  <a:schemeClr val="accent6">
+                    <a:lumMod val="75000"/>
+                  </a:schemeClr>
                 </a:solidFill>
                 <a:effectLst>
-                  <a:glow rad="228600">
-                    <a:schemeClr val="accent5">
-                      <a:satMod val="175000"/>
+                  <a:outerShdw blurRad="190500" dist="114300" dir="2700000" algn="bl" rotWithShape="0">
+                    <a:prstClr val="black">
                       <a:alpha val="40000"/>
-                    </a:schemeClr>
-                  </a:glow>
+                    </a:prstClr>
+                  </a:outerShdw>
                 </a:effectLst>
-                <a:latin typeface="Berlin Sans FB" panose="020E0602020502020306" pitchFamily="34" charset="0"/>
+                <a:latin typeface="Berlin Sans FB Demi" panose="020E0802020502020306" pitchFamily="34" charset="0"/>
               </a:rPr>
-              <a:t>Dust 0-1000 um3</a:t>
-            </a:r>
-            <a:endParaRPr lang="en-US" dirty="0">
+              <a:t>Monitor v3</a:t>
+            </a:r>
+            <a:endParaRPr lang="en-US" sz="4400" b="1" dirty="0">
               <a:solidFill>
-                <a:schemeClr val="bg1"/>
+                <a:schemeClr val="accent6">
+                  <a:lumMod val="75000"/>
+                </a:schemeClr>
               </a:solidFill>
               <a:effectLst>
-                <a:glow rad="228600">
-                  <a:schemeClr val="accent5">
-                    <a:satMod val="175000"/>
+                <a:outerShdw blurRad="190500" dist="114300" dir="2700000" algn="bl" rotWithShape="0">
+                  <a:prstClr val="black">
                     <a:alpha val="40000"/>
+                  </a:prstClr>
+                </a:outerShdw>
+              </a:effectLst>
+              <a:latin typeface="Berlin Sans FB Demi" panose="020E0802020502020306" pitchFamily="34" charset="0"/>
+            </a:endParaRPr>
+          </a:p>
+        </p:txBody>
+      </p:sp>
+      <p:sp>
+        <p:nvSpPr>
+          <p:cNvPr id="9" name="TextBox 8"/>
+          <p:cNvSpPr txBox="1"/>
+          <p:nvPr/>
+        </p:nvSpPr>
+        <p:spPr>
+          <a:xfrm>
+            <a:off x="3420054" y="5711278"/>
+            <a:ext cx="4935967" cy="646331"/>
+          </a:xfrm>
+          <a:prstGeom prst="rect">
+            <a:avLst/>
+          </a:prstGeom>
+          <a:noFill/>
+        </p:spPr>
+        <p:txBody>
+          <a:bodyPr wrap="none" rtlCol="0">
+            <a:spAutoFit/>
+          </a:bodyPr>
+          <a:lstStyle/>
+          <a:p>
+            <a:r>
+              <a:rPr lang="en-US" sz="3600" b="1" i="1" dirty="0" smtClean="0">
+                <a:solidFill>
+                  <a:schemeClr val="accent1">
+                    <a:lumMod val="75000"/>
                   </a:schemeClr>
-                </a:glow>
-              </a:effectLst>
-              <a:latin typeface="Berlin Sans FB" panose="020E0602020502020306" pitchFamily="34" charset="0"/>
-            </a:endParaRPr>
-          </a:p>
-          <a:p>
-            <a:pPr marL="285750" indent="-285750">
-              <a:buFont typeface="Arial" panose="020B0604020202020204" pitchFamily="34" charset="0"/>
-              <a:buChar char="•"/>
-            </a:pPr>
-            <a:r>
-              <a:rPr lang="en-US" dirty="0" smtClean="0">
-                <a:solidFill>
-                  <a:schemeClr val="bg1"/>
                 </a:solidFill>
                 <a:effectLst>
-                  <a:glow rad="228600">
-                    <a:schemeClr val="accent5">
-                      <a:satMod val="175000"/>
+                  <a:outerShdw blurRad="190500" dist="114300" dir="2700000" algn="bl" rotWithShape="0">
+                    <a:prstClr val="black">
                       <a:alpha val="40000"/>
-                    </a:schemeClr>
-                  </a:glow>
+                    </a:prstClr>
+                  </a:outerShdw>
                 </a:effectLst>
-                <a:latin typeface="Berlin Sans FB" panose="020E0602020502020306" pitchFamily="34" charset="0"/>
+                <a:latin typeface="Berlin Sans FB Demi" panose="020E0802020502020306" pitchFamily="34" charset="0"/>
               </a:rPr>
-              <a:t>Temperature</a:t>
-            </a:r>
-            <a:endParaRPr lang="en-US" dirty="0">
+              <a:t>Lot’s of customizations </a:t>
+            </a:r>
+            <a:endParaRPr lang="en-US" sz="3600" b="1" i="1" dirty="0">
               <a:solidFill>
-                <a:schemeClr val="bg1"/>
+                <a:schemeClr val="accent1">
+                  <a:lumMod val="75000"/>
+                </a:schemeClr>
               </a:solidFill>
               <a:effectLst>
-                <a:glow rad="228600">
-                  <a:schemeClr val="accent5">
-                    <a:satMod val="175000"/>
+                <a:outerShdw blurRad="190500" dist="114300" dir="2700000" algn="bl" rotWithShape="0">
+                  <a:prstClr val="black">
                     <a:alpha val="40000"/>
-                  </a:schemeClr>
-                </a:glow>
+                  </a:prstClr>
+                </a:outerShdw>
               </a:effectLst>
-              <a:latin typeface="Berlin Sans FB" panose="020E0602020502020306" pitchFamily="34" charset="0"/>
-            </a:endParaRPr>
-          </a:p>
-          <a:p>
-            <a:pPr marL="285750" indent="-285750">
-              <a:buFont typeface="Arial" panose="020B0604020202020204" pitchFamily="34" charset="0"/>
-              <a:buChar char="•"/>
-            </a:pPr>
-            <a:r>
-              <a:rPr lang="en-US" dirty="0" smtClean="0">
-                <a:solidFill>
-                  <a:schemeClr val="bg1"/>
-                </a:solidFill>
-                <a:effectLst>
-                  <a:glow rad="228600">
-                    <a:schemeClr val="accent5">
-                      <a:satMod val="175000"/>
-                      <a:alpha val="40000"/>
-                    </a:schemeClr>
-                  </a:glow>
-                </a:effectLst>
-                <a:latin typeface="Berlin Sans FB" panose="020E0602020502020306" pitchFamily="34" charset="0"/>
-              </a:rPr>
-              <a:t>Humidity</a:t>
-            </a:r>
-          </a:p>
-          <a:p>
-            <a:pPr marL="285750" indent="-285750">
-              <a:buFont typeface="Arial" panose="020B0604020202020204" pitchFamily="34" charset="0"/>
-              <a:buChar char="•"/>
-            </a:pPr>
-            <a:r>
-              <a:rPr lang="en-US" dirty="0" smtClean="0">
-                <a:solidFill>
-                  <a:schemeClr val="bg1"/>
-                </a:solidFill>
-                <a:effectLst>
-                  <a:glow rad="228600">
-                    <a:schemeClr val="accent5">
-                      <a:satMod val="175000"/>
-                      <a:alpha val="40000"/>
-                    </a:schemeClr>
-                  </a:glow>
-                </a:effectLst>
-                <a:latin typeface="Berlin Sans FB" panose="020E0602020502020306" pitchFamily="34" charset="0"/>
-              </a:rPr>
-              <a:t>Pressure</a:t>
-            </a:r>
-            <a:endParaRPr lang="en-US" dirty="0">
-              <a:solidFill>
-                <a:schemeClr val="bg1"/>
-              </a:solidFill>
-              <a:effectLst>
-                <a:glow rad="228600">
-                  <a:schemeClr val="accent5">
-                    <a:satMod val="175000"/>
-                    <a:alpha val="40000"/>
-                  </a:schemeClr>
-                </a:glow>
-              </a:effectLst>
-              <a:latin typeface="Berlin Sans FB" panose="020E0602020502020306" pitchFamily="34" charset="0"/>
+              <a:latin typeface="Berlin Sans FB Demi" panose="020E0802020502020306" pitchFamily="34" charset="0"/>
             </a:endParaRPr>
           </a:p>
         </p:txBody>
@@ -3563,7 +3895,7 @@
     </p:spTree>
     <p:extLst>
       <p:ext uri="{BB962C8B-B14F-4D97-AF65-F5344CB8AC3E}">
-        <p14:creationId xmlns:p14="http://schemas.microsoft.com/office/powerpoint/2010/main" val="2111216707"/>
+        <p14:creationId xmlns:p14="http://schemas.microsoft.com/office/powerpoint/2010/main" val="3123534230"/>
       </p:ext>
     </p:extLst>
   </p:cSld>
